--- a/convolutional_neural_networks (1).pptx
+++ b/convolutional_neural_networks (1).pptx
@@ -3069,10 +3069,10 @@
           <a:lstStyle/>
           <a:p>
             <a:r>
-              <a:rPr lang="en-US" sz="5400" dirty="0"/>
+              <a:rPr lang="en-US" sz="5400" b="1" dirty="0"/>
               <a:t>Convolutional neural network for Image recognition</a:t>
             </a:r>
-            <a:endParaRPr sz="5400" dirty="0"/>
+            <a:endParaRPr sz="5400" b="1" dirty="0"/>
           </a:p>
         </p:txBody>
       </p:sp>
@@ -3084,8 +3084,8 @@
         </p:nvSpPr>
         <p:spPr>
           <a:xfrm>
-            <a:off x="3616599" y="6177335"/>
-            <a:ext cx="5772031" cy="963295"/>
+            <a:off x="3107690" y="5885498"/>
+            <a:ext cx="7501890" cy="2686685"/>
           </a:xfrm>
           <a:prstGeom prst="rect">
             <a:avLst/>
@@ -3179,6 +3179,102 @@
               <a:buFontTx/>
               <a:buNone/>
             </a:pPr>
+            <a:endParaRPr kumimoji="0" lang="en-US" sz="2800" b="1" i="0" u="none" strike="noStrike" cap="none" spc="0" normalizeH="0" baseline="0" dirty="0">
+              <a:ln>
+                <a:noFill/>
+              </a:ln>
+              <a:solidFill>
+                <a:srgbClr val="000000"/>
+              </a:solidFill>
+              <a:effectLst/>
+              <a:uFillTx/>
+              <a:latin typeface="Bahnschrift SemiBold" panose="020B0502040204020203" charset="0"/>
+              <a:ea typeface="Helvetica Neue"/>
+              <a:cs typeface="Bahnschrift SemiBold" panose="020B0502040204020203" charset="0"/>
+              <a:sym typeface="Helvetica Neue"/>
+            </a:endParaRPr>
+          </a:p>
+          <a:p>
+            <a:pPr marL="0" marR="0" indent="0" algn="ctr" defTabSz="584200" rtl="0" fontAlgn="auto" latinLnBrk="0" hangingPunct="0">
+              <a:lnSpc>
+                <a:spcPct val="100000"/>
+              </a:lnSpc>
+              <a:spcBef>
+                <a:spcPts val="0"/>
+              </a:spcBef>
+              <a:spcAft>
+                <a:spcPts val="0"/>
+              </a:spcAft>
+              <a:buClrTx/>
+              <a:buSzTx/>
+              <a:buFontTx/>
+              <a:buNone/>
+            </a:pPr>
+            <a:r>
+              <a:rPr kumimoji="0" lang="en-US" sz="2800" b="1" i="0" u="none" strike="noStrike" cap="none" spc="0" normalizeH="0" baseline="0" dirty="0">
+                <a:ln>
+                  <a:noFill/>
+                </a:ln>
+                <a:solidFill>
+                  <a:srgbClr val="000000"/>
+                </a:solidFill>
+                <a:effectLst/>
+                <a:uFillTx/>
+                <a:latin typeface="Bahnschrift SemiBold" panose="020B0502040204020203" charset="0"/>
+                <a:ea typeface="Helvetica Neue"/>
+                <a:cs typeface="Bahnschrift SemiBold" panose="020B0502040204020203" charset="0"/>
+                <a:sym typeface="Helvetica Neue"/>
+              </a:rPr>
+              <a:t>DEPARTMENT OF ARTIFICIAL INTELLIGENCE AND DATA SCIENCE</a:t>
+            </a:r>
+            <a:endParaRPr kumimoji="0" lang="en-US" sz="2800" b="1" i="0" u="none" strike="noStrike" cap="none" spc="0" normalizeH="0" baseline="0" dirty="0">
+              <a:ln>
+                <a:noFill/>
+              </a:ln>
+              <a:solidFill>
+                <a:srgbClr val="000000"/>
+              </a:solidFill>
+              <a:effectLst/>
+              <a:uFillTx/>
+              <a:latin typeface="Bahnschrift SemiBold" panose="020B0502040204020203" charset="0"/>
+              <a:ea typeface="Helvetica Neue"/>
+              <a:cs typeface="Bahnschrift SemiBold" panose="020B0502040204020203" charset="0"/>
+              <a:sym typeface="Helvetica Neue"/>
+            </a:endParaRPr>
+          </a:p>
+          <a:p>
+            <a:pPr marL="0" marR="0" indent="0" algn="ctr" defTabSz="584200" rtl="0" fontAlgn="auto" latinLnBrk="0" hangingPunct="0">
+              <a:lnSpc>
+                <a:spcPct val="100000"/>
+              </a:lnSpc>
+              <a:spcBef>
+                <a:spcPts val="0"/>
+              </a:spcBef>
+              <a:spcAft>
+                <a:spcPts val="0"/>
+              </a:spcAft>
+              <a:buClrTx/>
+              <a:buSzTx/>
+              <a:buFontTx/>
+              <a:buNone/>
+            </a:pPr>
+            <a:r>
+              <a:rPr kumimoji="0" lang="en-US" sz="2800" b="1" i="0" u="none" strike="noStrike" cap="none" spc="0" normalizeH="0" baseline="0" dirty="0">
+                <a:ln>
+                  <a:noFill/>
+                </a:ln>
+                <a:solidFill>
+                  <a:srgbClr val="000000"/>
+                </a:solidFill>
+                <a:effectLst/>
+                <a:uFillTx/>
+                <a:latin typeface="Bahnschrift SemiBold" panose="020B0502040204020203" charset="0"/>
+                <a:ea typeface="Helvetica Neue"/>
+                <a:cs typeface="Bahnschrift SemiBold" panose="020B0502040204020203" charset="0"/>
+                <a:sym typeface="Helvetica Neue"/>
+              </a:rPr>
+              <a:t>DR.MAHALINGAM COLLEGE OF ENGINEERING AND TECHNOLOGY,POLLACHI</a:t>
+            </a:r>
             <a:endParaRPr kumimoji="0" lang="en-US" sz="2800" b="1" i="0" u="none" strike="noStrike" cap="none" spc="0" normalizeH="0" baseline="0" dirty="0">
               <a:ln>
                 <a:noFill/>
